--- a/Naveen Prian V - IBM Project.pptx
+++ b/Naveen Prian V - IBM Project.pptx
@@ -5285,6 +5285,16 @@
           <a:bodyPr/>
           <a:lstStyle/>
           <a:p>
+            <a:r>
+              <a:rPr lang="en-IN" dirty="0"/>
+              <a:t>Git hub Link : </a:t>
+            </a:r>
+            <a:r>
+              <a:rPr lang="en-IN" dirty="0">
+                <a:hlinkClick r:id="rId2"/>
+              </a:rPr>
+              <a:t>https://github.com/naveenip05/Predictive-Maintenance-of-Industrial-Machinery</a:t>
+            </a:r>
             <a:endParaRPr lang="en-IN" dirty="0"/>
           </a:p>
         </p:txBody>
